--- a/Encs.pptx
+++ b/Encs.pptx
@@ -9,6 +9,11 @@
     <p:sldId id="257" r:id="rId3"/>
     <p:sldId id="258" r:id="rId4"/>
     <p:sldId id="259" r:id="rId5"/>
+    <p:sldId id="261" r:id="rId6"/>
+    <p:sldId id="260" r:id="rId7"/>
+    <p:sldId id="262" r:id="rId8"/>
+    <p:sldId id="263" r:id="rId9"/>
+    <p:sldId id="264" r:id="rId10"/>
   </p:sldIdLst>
   <p:sldSz cx="12192000" cy="6858000"/>
   <p:notesSz cx="6858000" cy="9144000"/>
@@ -262,7 +267,7 @@
           <a:p>
             <a:fld id="{C2C5C3F3-4F3D-4CBB-90EC-CB506390E6FB}" type="datetimeFigureOut">
               <a:rPr lang="en-US" smtClean="0"/>
-              <a:t>3/8/2022</a:t>
+              <a:t>3/14/2022</a:t>
             </a:fld>
             <a:endParaRPr lang="en-US"/>
           </a:p>
@@ -460,7 +465,7 @@
           <a:p>
             <a:fld id="{C2C5C3F3-4F3D-4CBB-90EC-CB506390E6FB}" type="datetimeFigureOut">
               <a:rPr lang="en-US" smtClean="0"/>
-              <a:t>3/8/2022</a:t>
+              <a:t>3/14/2022</a:t>
             </a:fld>
             <a:endParaRPr lang="en-US"/>
           </a:p>
@@ -668,7 +673,7 @@
           <a:p>
             <a:fld id="{C2C5C3F3-4F3D-4CBB-90EC-CB506390E6FB}" type="datetimeFigureOut">
               <a:rPr lang="en-US" smtClean="0"/>
-              <a:t>3/8/2022</a:t>
+              <a:t>3/14/2022</a:t>
             </a:fld>
             <a:endParaRPr lang="en-US"/>
           </a:p>
@@ -866,7 +871,7 @@
           <a:p>
             <a:fld id="{C2C5C3F3-4F3D-4CBB-90EC-CB506390E6FB}" type="datetimeFigureOut">
               <a:rPr lang="en-US" smtClean="0"/>
-              <a:t>3/8/2022</a:t>
+              <a:t>3/14/2022</a:t>
             </a:fld>
             <a:endParaRPr lang="en-US"/>
           </a:p>
@@ -1141,7 +1146,7 @@
           <a:p>
             <a:fld id="{C2C5C3F3-4F3D-4CBB-90EC-CB506390E6FB}" type="datetimeFigureOut">
               <a:rPr lang="en-US" smtClean="0"/>
-              <a:t>3/8/2022</a:t>
+              <a:t>3/14/2022</a:t>
             </a:fld>
             <a:endParaRPr lang="en-US"/>
           </a:p>
@@ -1406,7 +1411,7 @@
           <a:p>
             <a:fld id="{C2C5C3F3-4F3D-4CBB-90EC-CB506390E6FB}" type="datetimeFigureOut">
               <a:rPr lang="en-US" smtClean="0"/>
-              <a:t>3/8/2022</a:t>
+              <a:t>3/14/2022</a:t>
             </a:fld>
             <a:endParaRPr lang="en-US"/>
           </a:p>
@@ -1818,7 +1823,7 @@
           <a:p>
             <a:fld id="{C2C5C3F3-4F3D-4CBB-90EC-CB506390E6FB}" type="datetimeFigureOut">
               <a:rPr lang="en-US" smtClean="0"/>
-              <a:t>3/8/2022</a:t>
+              <a:t>3/14/2022</a:t>
             </a:fld>
             <a:endParaRPr lang="en-US"/>
           </a:p>
@@ -1959,7 +1964,7 @@
           <a:p>
             <a:fld id="{C2C5C3F3-4F3D-4CBB-90EC-CB506390E6FB}" type="datetimeFigureOut">
               <a:rPr lang="en-US" smtClean="0"/>
-              <a:t>3/8/2022</a:t>
+              <a:t>3/14/2022</a:t>
             </a:fld>
             <a:endParaRPr lang="en-US"/>
           </a:p>
@@ -2072,7 +2077,7 @@
           <a:p>
             <a:fld id="{C2C5C3F3-4F3D-4CBB-90EC-CB506390E6FB}" type="datetimeFigureOut">
               <a:rPr lang="en-US" smtClean="0"/>
-              <a:t>3/8/2022</a:t>
+              <a:t>3/14/2022</a:t>
             </a:fld>
             <a:endParaRPr lang="en-US"/>
           </a:p>
@@ -2383,7 +2388,7 @@
           <a:p>
             <a:fld id="{C2C5C3F3-4F3D-4CBB-90EC-CB506390E6FB}" type="datetimeFigureOut">
               <a:rPr lang="en-US" smtClean="0"/>
-              <a:t>3/8/2022</a:t>
+              <a:t>3/14/2022</a:t>
             </a:fld>
             <a:endParaRPr lang="en-US"/>
           </a:p>
@@ -2671,7 +2676,7 @@
           <a:p>
             <a:fld id="{C2C5C3F3-4F3D-4CBB-90EC-CB506390E6FB}" type="datetimeFigureOut">
               <a:rPr lang="en-US" smtClean="0"/>
-              <a:t>3/8/2022</a:t>
+              <a:t>3/14/2022</a:t>
             </a:fld>
             <a:endParaRPr lang="en-US"/>
           </a:p>
@@ -2912,7 +2917,7 @@
           <a:p>
             <a:fld id="{C2C5C3F3-4F3D-4CBB-90EC-CB506390E6FB}" type="datetimeFigureOut">
               <a:rPr lang="en-US" smtClean="0"/>
-              <a:t>3/8/2022</a:t>
+              <a:t>3/14/2022</a:t>
             </a:fld>
             <a:endParaRPr lang="en-US"/>
           </a:p>
@@ -3563,7 +3568,7 @@
         </p:nvSpPr>
         <p:spPr bwMode="auto">
           <a:xfrm>
-            <a:off x="0" y="4070003"/>
+            <a:off x="50532" y="4070003"/>
             <a:ext cx="12089331" cy="1384995"/>
           </a:xfrm>
           <a:prstGeom prst="rect">
@@ -4903,6 +4908,1811 @@
     <p:extLst>
       <p:ext uri="{BB962C8B-B14F-4D97-AF65-F5344CB8AC3E}">
         <p14:creationId xmlns:p14="http://schemas.microsoft.com/office/powerpoint/2010/main" val="3658360132"/>
+      </p:ext>
+    </p:extLst>
+  </p:cSld>
+  <p:clrMapOvr>
+    <a:masterClrMapping/>
+  </p:clrMapOvr>
+</p:sld>
+</file>
+
+<file path=ppt/slides/slide5.xml><?xml version="1.0" encoding="utf-8"?>
+<p:sld xmlns:a="http://schemas.openxmlformats.org/drawingml/2006/main" xmlns:r="http://schemas.openxmlformats.org/officeDocument/2006/relationships" xmlns:p="http://schemas.openxmlformats.org/presentationml/2006/main">
+  <p:cSld>
+    <p:spTree>
+      <p:nvGrpSpPr>
+        <p:cNvPr id="1" name=""/>
+        <p:cNvGrpSpPr/>
+        <p:nvPr/>
+      </p:nvGrpSpPr>
+      <p:grpSpPr>
+        <a:xfrm>
+          <a:off x="0" y="0"/>
+          <a:ext cx="0" cy="0"/>
+          <a:chOff x="0" y="0"/>
+          <a:chExt cx="0" cy="0"/>
+        </a:xfrm>
+      </p:grpSpPr>
+      <p:sp>
+        <p:nvSpPr>
+          <p:cNvPr id="3" name="TextBox 2">
+            <a:extLst>
+              <a:ext uri="{FF2B5EF4-FFF2-40B4-BE49-F238E27FC236}">
+                <a16:creationId xmlns:a16="http://schemas.microsoft.com/office/drawing/2014/main" id="{07FB5172-FA5F-42DE-8267-B064C85C41F9}"/>
+              </a:ext>
+            </a:extLst>
+          </p:cNvPr>
+          <p:cNvSpPr txBox="1"/>
+          <p:nvPr/>
+        </p:nvSpPr>
+        <p:spPr>
+          <a:xfrm>
+            <a:off x="0" y="117393"/>
+            <a:ext cx="12192000" cy="5078313"/>
+          </a:xfrm>
+          <a:prstGeom prst="rect">
+            <a:avLst/>
+          </a:prstGeom>
+          <a:noFill/>
+        </p:spPr>
+        <p:txBody>
+          <a:bodyPr wrap="square">
+            <a:spAutoFit/>
+          </a:bodyPr>
+          <a:lstStyle/>
+          <a:p>
+            <a:pPr algn="just" fontAlgn="base"/>
+            <a:r>
+              <a:rPr lang="en-US" b="1" i="0" dirty="0">
+                <a:solidFill>
+                  <a:srgbClr val="000000"/>
+                </a:solidFill>
+                <a:effectLst/>
+                <a:latin typeface="arial" panose="020B0604020202020204" pitchFamily="34" charset="0"/>
+              </a:rPr>
+              <a:t>Rules to be considered while working with inheritance in C#</a:t>
+            </a:r>
+            <a:endParaRPr lang="en-US" b="0" i="0" dirty="0">
+              <a:solidFill>
+                <a:srgbClr val="3A3A3A"/>
+              </a:solidFill>
+              <a:effectLst/>
+              <a:latin typeface="-apple-system"/>
+            </a:endParaRPr>
+          </a:p>
+          <a:p>
+            <a:pPr algn="just" fontAlgn="base"/>
+            <a:r>
+              <a:rPr lang="en-US" b="1" i="0" dirty="0">
+                <a:solidFill>
+                  <a:srgbClr val="000000"/>
+                </a:solidFill>
+                <a:effectLst/>
+                <a:latin typeface="arial" panose="020B0604020202020204" pitchFamily="34" charset="0"/>
+              </a:rPr>
+              <a:t>Rule1:</a:t>
+            </a:r>
+            <a:r>
+              <a:rPr lang="en-US" b="0" i="0" dirty="0">
+                <a:solidFill>
+                  <a:srgbClr val="000000"/>
+                </a:solidFill>
+                <a:effectLst/>
+                <a:latin typeface="arial" panose="020B0604020202020204" pitchFamily="34" charset="0"/>
+              </a:rPr>
+              <a:t> In inheritance, the constructor of the parent class must be accessible to its child class otherwise the inheritance will not possible because when we create the child class object first it goes and calls the parent class constructor so that the parent class variable will be initialized and we can consume them under the child class.</a:t>
+            </a:r>
+          </a:p>
+          <a:p>
+            <a:pPr algn="just" fontAlgn="base"/>
+            <a:endParaRPr lang="en-US" b="0" i="0" dirty="0">
+              <a:solidFill>
+                <a:srgbClr val="212529"/>
+              </a:solidFill>
+              <a:effectLst/>
+              <a:latin typeface="-apple-system"/>
+            </a:endParaRPr>
+          </a:p>
+          <a:p>
+            <a:pPr algn="just" fontAlgn="base"/>
+            <a:r>
+              <a:rPr lang="en-US" b="1" i="0" dirty="0">
+                <a:solidFill>
+                  <a:srgbClr val="000000"/>
+                </a:solidFill>
+                <a:effectLst/>
+                <a:latin typeface="arial" panose="020B0604020202020204" pitchFamily="34" charset="0"/>
+              </a:rPr>
+              <a:t>NOTE:</a:t>
+            </a:r>
+            <a:r>
+              <a:rPr lang="en-US" b="0" i="0" dirty="0">
+                <a:solidFill>
+                  <a:srgbClr val="000000"/>
+                </a:solidFill>
+                <a:effectLst/>
+                <a:latin typeface="arial" panose="020B0604020202020204" pitchFamily="34" charset="0"/>
+              </a:rPr>
+              <a:t> The reason why a child class internally calls its parent class constructor is to initialize parent class and can consume them under child class.</a:t>
+            </a:r>
+          </a:p>
+          <a:p>
+            <a:pPr algn="just" fontAlgn="base"/>
+            <a:endParaRPr lang="en-US" b="0" i="0" dirty="0">
+              <a:solidFill>
+                <a:srgbClr val="212529"/>
+              </a:solidFill>
+              <a:effectLst/>
+              <a:latin typeface="-apple-system"/>
+            </a:endParaRPr>
+          </a:p>
+          <a:p>
+            <a:pPr algn="just" fontAlgn="base"/>
+            <a:r>
+              <a:rPr lang="en-US" b="1" i="0" dirty="0">
+                <a:solidFill>
+                  <a:srgbClr val="000000"/>
+                </a:solidFill>
+                <a:effectLst/>
+                <a:latin typeface="arial" panose="020B0604020202020204" pitchFamily="34" charset="0"/>
+              </a:rPr>
+              <a:t>Rule2</a:t>
+            </a:r>
+            <a:r>
+              <a:rPr lang="en-US" b="0" i="0" dirty="0">
+                <a:solidFill>
+                  <a:srgbClr val="000000"/>
+                </a:solidFill>
+                <a:effectLst/>
+                <a:latin typeface="arial" panose="020B0604020202020204" pitchFamily="34" charset="0"/>
+              </a:rPr>
+              <a:t>: In inheritance, the child classes can consume the parent class members but the parent class does not consume child class members that are purely defined in the child class.</a:t>
+            </a:r>
+          </a:p>
+          <a:p>
+            <a:pPr algn="just" fontAlgn="base"/>
+            <a:endParaRPr lang="en-US" b="0" i="0" dirty="0">
+              <a:solidFill>
+                <a:srgbClr val="212529"/>
+              </a:solidFill>
+              <a:effectLst/>
+              <a:latin typeface="-apple-system"/>
+            </a:endParaRPr>
+          </a:p>
+          <a:p>
+            <a:pPr algn="just" fontAlgn="base"/>
+            <a:r>
+              <a:rPr lang="en-US" b="1" i="0" dirty="0">
+                <a:solidFill>
+                  <a:srgbClr val="000000"/>
+                </a:solidFill>
+                <a:effectLst/>
+                <a:latin typeface="arial" panose="020B0604020202020204" pitchFamily="34" charset="0"/>
+              </a:rPr>
+              <a:t>Rule3: </a:t>
+            </a:r>
+            <a:r>
+              <a:rPr lang="en-US" b="0" i="0" dirty="0">
+                <a:solidFill>
+                  <a:srgbClr val="000000"/>
+                </a:solidFill>
+                <a:effectLst/>
+                <a:latin typeface="arial" panose="020B0604020202020204" pitchFamily="34" charset="0"/>
+              </a:rPr>
+              <a:t>Just like the object of a class can be assigned to a variable of the same class to make it as a reference, it can also be assigned a variable of its parent to make it as a reference so that the reference starts consuming memory of the object assigned to it, but now also using that we control access child class pure members.</a:t>
+            </a:r>
+          </a:p>
+          <a:p>
+            <a:pPr algn="just" fontAlgn="base"/>
+            <a:endParaRPr lang="en-US" b="0" i="0" dirty="0">
+              <a:solidFill>
+                <a:srgbClr val="212529"/>
+              </a:solidFill>
+              <a:effectLst/>
+              <a:latin typeface="-apple-system"/>
+            </a:endParaRPr>
+          </a:p>
+          <a:p>
+            <a:pPr algn="just" fontAlgn="base"/>
+            <a:r>
+              <a:rPr lang="en-US" b="1" i="0" dirty="0">
+                <a:solidFill>
+                  <a:srgbClr val="000000"/>
+                </a:solidFill>
+                <a:effectLst/>
+                <a:latin typeface="arial" panose="020B0604020202020204" pitchFamily="34" charset="0"/>
+              </a:rPr>
+              <a:t>NOTE:</a:t>
+            </a:r>
+            <a:r>
+              <a:rPr lang="en-US" b="0" i="0" dirty="0">
+                <a:solidFill>
+                  <a:srgbClr val="000000"/>
+                </a:solidFill>
+                <a:effectLst/>
+                <a:latin typeface="arial" panose="020B0604020202020204" pitchFamily="34" charset="0"/>
+              </a:rPr>
+              <a:t> A parent class object can never be assigned to a child class variable. A parent class reference i.e. created by using a child class object can be converted back into a child class reference if required by performing an explicit conversion.</a:t>
+            </a:r>
+            <a:endParaRPr lang="en-US" b="0" i="0" dirty="0">
+              <a:solidFill>
+                <a:srgbClr val="212529"/>
+              </a:solidFill>
+              <a:effectLst/>
+              <a:latin typeface="-apple-system"/>
+            </a:endParaRPr>
+          </a:p>
+        </p:txBody>
+      </p:sp>
+    </p:spTree>
+    <p:extLst>
+      <p:ext uri="{BB962C8B-B14F-4D97-AF65-F5344CB8AC3E}">
+        <p14:creationId xmlns:p14="http://schemas.microsoft.com/office/powerpoint/2010/main" val="3059553999"/>
+      </p:ext>
+    </p:extLst>
+  </p:cSld>
+  <p:clrMapOvr>
+    <a:masterClrMapping/>
+  </p:clrMapOvr>
+</p:sld>
+</file>
+
+<file path=ppt/slides/slide6.xml><?xml version="1.0" encoding="utf-8"?>
+<p:sld xmlns:a="http://schemas.openxmlformats.org/drawingml/2006/main" xmlns:r="http://schemas.openxmlformats.org/officeDocument/2006/relationships" xmlns:p="http://schemas.openxmlformats.org/presentationml/2006/main">
+  <p:cSld>
+    <p:spTree>
+      <p:nvGrpSpPr>
+        <p:cNvPr id="1" name=""/>
+        <p:cNvGrpSpPr/>
+        <p:nvPr/>
+      </p:nvGrpSpPr>
+      <p:grpSpPr>
+        <a:xfrm>
+          <a:off x="0" y="0"/>
+          <a:ext cx="0" cy="0"/>
+          <a:chOff x="0" y="0"/>
+          <a:chExt cx="0" cy="0"/>
+        </a:xfrm>
+      </p:grpSpPr>
+      <p:sp>
+        <p:nvSpPr>
+          <p:cNvPr id="3" name="TextBox 2">
+            <a:extLst>
+              <a:ext uri="{FF2B5EF4-FFF2-40B4-BE49-F238E27FC236}">
+                <a16:creationId xmlns:a16="http://schemas.microsoft.com/office/drawing/2014/main" id="{2250BBDD-7C59-469D-A62C-6E71168D5582}"/>
+              </a:ext>
+            </a:extLst>
+          </p:cNvPr>
+          <p:cNvSpPr txBox="1"/>
+          <p:nvPr/>
+        </p:nvSpPr>
+        <p:spPr>
+          <a:xfrm>
+            <a:off x="84221" y="157031"/>
+            <a:ext cx="6097604" cy="369332"/>
+          </a:xfrm>
+          <a:prstGeom prst="rect">
+            <a:avLst/>
+          </a:prstGeom>
+          <a:noFill/>
+        </p:spPr>
+        <p:txBody>
+          <a:bodyPr wrap="square">
+            <a:spAutoFit/>
+          </a:bodyPr>
+          <a:lstStyle/>
+          <a:p>
+            <a:pPr algn="just" fontAlgn="base"/>
+            <a:r>
+              <a:rPr lang="en-US" b="1" i="0" dirty="0">
+                <a:solidFill>
+                  <a:srgbClr val="000000"/>
+                </a:solidFill>
+                <a:effectLst/>
+                <a:latin typeface="arial" panose="020B0604020202020204" pitchFamily="34" charset="0"/>
+              </a:rPr>
+              <a:t>Why do we need inheritance in C#?</a:t>
+            </a:r>
+            <a:endParaRPr lang="en-US" b="0" i="0" dirty="0">
+              <a:solidFill>
+                <a:srgbClr val="3A3A3A"/>
+              </a:solidFill>
+              <a:effectLst/>
+              <a:latin typeface="-apple-system"/>
+            </a:endParaRPr>
+          </a:p>
+        </p:txBody>
+      </p:sp>
+      <p:sp>
+        <p:nvSpPr>
+          <p:cNvPr id="5" name="TextBox 4">
+            <a:extLst>
+              <a:ext uri="{FF2B5EF4-FFF2-40B4-BE49-F238E27FC236}">
+                <a16:creationId xmlns:a16="http://schemas.microsoft.com/office/drawing/2014/main" id="{0923BA88-FFA2-4156-AD29-8C017C5A5A15}"/>
+              </a:ext>
+            </a:extLst>
+          </p:cNvPr>
+          <p:cNvSpPr txBox="1"/>
+          <p:nvPr/>
+        </p:nvSpPr>
+        <p:spPr>
+          <a:xfrm>
+            <a:off x="42110" y="526363"/>
+            <a:ext cx="12107779" cy="646331"/>
+          </a:xfrm>
+          <a:prstGeom prst="rect">
+            <a:avLst/>
+          </a:prstGeom>
+          <a:noFill/>
+        </p:spPr>
+        <p:txBody>
+          <a:bodyPr wrap="square">
+            <a:spAutoFit/>
+          </a:bodyPr>
+          <a:lstStyle/>
+          <a:p>
+            <a:r>
+              <a:rPr lang="en-US" b="0" i="0" dirty="0">
+                <a:solidFill>
+                  <a:srgbClr val="000000"/>
+                </a:solidFill>
+                <a:effectLst/>
+                <a:latin typeface="arial" panose="020B0604020202020204" pitchFamily="34" charset="0"/>
+              </a:rPr>
+              <a:t>inheritance in C# with one real-time example. Suppose we are developing an application for school the attributes of the entity will be as following</a:t>
+            </a:r>
+            <a:endParaRPr lang="en-US" dirty="0"/>
+          </a:p>
+        </p:txBody>
+      </p:sp>
+      <p:pic>
+        <p:nvPicPr>
+          <p:cNvPr id="7" name="Picture 6">
+            <a:extLst>
+              <a:ext uri="{FF2B5EF4-FFF2-40B4-BE49-F238E27FC236}">
+                <a16:creationId xmlns:a16="http://schemas.microsoft.com/office/drawing/2014/main" id="{9FEEAAAB-AC96-4F10-9CB7-BA38CE9558E8}"/>
+              </a:ext>
+            </a:extLst>
+          </p:cNvPr>
+          <p:cNvPicPr>
+            <a:picLocks noChangeAspect="1"/>
+          </p:cNvPicPr>
+          <p:nvPr/>
+        </p:nvPicPr>
+        <p:blipFill>
+          <a:blip r:embed="rId2"/>
+          <a:stretch>
+            <a:fillRect/>
+          </a:stretch>
+        </p:blipFill>
+        <p:spPr>
+          <a:xfrm>
+            <a:off x="84221" y="1435243"/>
+            <a:ext cx="12107979" cy="3553317"/>
+          </a:xfrm>
+          <a:prstGeom prst="rect">
+            <a:avLst/>
+          </a:prstGeom>
+        </p:spPr>
+      </p:pic>
+    </p:spTree>
+    <p:extLst>
+      <p:ext uri="{BB962C8B-B14F-4D97-AF65-F5344CB8AC3E}">
+        <p14:creationId xmlns:p14="http://schemas.microsoft.com/office/powerpoint/2010/main" val="2699813285"/>
+      </p:ext>
+    </p:extLst>
+  </p:cSld>
+  <p:clrMapOvr>
+    <a:masterClrMapping/>
+  </p:clrMapOvr>
+</p:sld>
+</file>
+
+<file path=ppt/slides/slide7.xml><?xml version="1.0" encoding="utf-8"?>
+<p:sld xmlns:a="http://schemas.openxmlformats.org/drawingml/2006/main" xmlns:r="http://schemas.openxmlformats.org/officeDocument/2006/relationships" xmlns:p="http://schemas.openxmlformats.org/presentationml/2006/main">
+  <p:cSld>
+    <p:spTree>
+      <p:nvGrpSpPr>
+        <p:cNvPr id="1" name=""/>
+        <p:cNvGrpSpPr/>
+        <p:nvPr/>
+      </p:nvGrpSpPr>
+      <p:grpSpPr>
+        <a:xfrm>
+          <a:off x="0" y="0"/>
+          <a:ext cx="0" cy="0"/>
+          <a:chOff x="0" y="0"/>
+          <a:chExt cx="0" cy="0"/>
+        </a:xfrm>
+      </p:grpSpPr>
+      <p:sp>
+        <p:nvSpPr>
+          <p:cNvPr id="3" name="TextBox 2">
+            <a:extLst>
+              <a:ext uri="{FF2B5EF4-FFF2-40B4-BE49-F238E27FC236}">
+                <a16:creationId xmlns:a16="http://schemas.microsoft.com/office/drawing/2014/main" id="{7483CB13-BFE1-4A8C-8C3E-39BE2DDDB3E3}"/>
+              </a:ext>
+            </a:extLst>
+          </p:cNvPr>
+          <p:cNvSpPr txBox="1"/>
+          <p:nvPr/>
+        </p:nvSpPr>
+        <p:spPr>
+          <a:xfrm>
+            <a:off x="0" y="76806"/>
+            <a:ext cx="12191999" cy="1200329"/>
+          </a:xfrm>
+          <a:prstGeom prst="rect">
+            <a:avLst/>
+          </a:prstGeom>
+          <a:noFill/>
+        </p:spPr>
+        <p:txBody>
+          <a:bodyPr wrap="square">
+            <a:spAutoFit/>
+          </a:bodyPr>
+          <a:lstStyle/>
+          <a:p>
+            <a:pPr algn="just" fontAlgn="base"/>
+            <a:r>
+              <a:rPr lang="en-US" b="1" i="0" dirty="0">
+                <a:solidFill>
+                  <a:srgbClr val="000000"/>
+                </a:solidFill>
+                <a:effectLst/>
+                <a:latin typeface="arial" panose="020B0604020202020204" pitchFamily="34" charset="0"/>
+              </a:rPr>
+              <a:t>What is an interface in C#?</a:t>
+            </a:r>
+            <a:endParaRPr lang="en-US" b="0" i="0" dirty="0">
+              <a:solidFill>
+                <a:srgbClr val="3A3A3A"/>
+              </a:solidFill>
+              <a:effectLst/>
+              <a:latin typeface="-apple-system"/>
+            </a:endParaRPr>
+          </a:p>
+          <a:p>
+            <a:pPr algn="just" fontAlgn="base"/>
+            <a:r>
+              <a:rPr lang="en-US" b="0" i="0" dirty="0">
+                <a:solidFill>
+                  <a:srgbClr val="000000"/>
+                </a:solidFill>
+                <a:effectLst/>
+                <a:latin typeface="arial" panose="020B0604020202020204" pitchFamily="34" charset="0"/>
+              </a:rPr>
+              <a:t>The Interface in C# is a </a:t>
+            </a:r>
+            <a:r>
+              <a:rPr lang="en-US" b="1" i="0" dirty="0">
+                <a:solidFill>
+                  <a:srgbClr val="000000"/>
+                </a:solidFill>
+                <a:effectLst/>
+                <a:latin typeface="arial" panose="020B0604020202020204" pitchFamily="34" charset="0"/>
+              </a:rPr>
+              <a:t>fully un-implemented class</a:t>
+            </a:r>
+            <a:r>
+              <a:rPr lang="en-US" b="0" i="0" dirty="0">
+                <a:solidFill>
+                  <a:srgbClr val="000000"/>
+                </a:solidFill>
+                <a:effectLst/>
+                <a:latin typeface="arial" panose="020B0604020202020204" pitchFamily="34" charset="0"/>
+              </a:rPr>
+              <a:t> used for declaring a set of operations of an object. So, we can define an interface as a pure abstract class which allows us to define only abstract methods. The abstract method means a method without body or implementation.</a:t>
+            </a:r>
+            <a:endParaRPr lang="en-US" b="0" i="0" dirty="0">
+              <a:solidFill>
+                <a:srgbClr val="212529"/>
+              </a:solidFill>
+              <a:effectLst/>
+              <a:latin typeface="-apple-system"/>
+            </a:endParaRPr>
+          </a:p>
+        </p:txBody>
+      </p:sp>
+      <p:sp>
+        <p:nvSpPr>
+          <p:cNvPr id="5" name="TextBox 4">
+            <a:extLst>
+              <a:ext uri="{FF2B5EF4-FFF2-40B4-BE49-F238E27FC236}">
+                <a16:creationId xmlns:a16="http://schemas.microsoft.com/office/drawing/2014/main" id="{AD92ABC9-78FD-4A4B-B481-CFE1B1CD127A}"/>
+              </a:ext>
+            </a:extLst>
+          </p:cNvPr>
+          <p:cNvSpPr txBox="1"/>
+          <p:nvPr/>
+        </p:nvSpPr>
+        <p:spPr>
+          <a:xfrm>
+            <a:off x="1" y="1369989"/>
+            <a:ext cx="12191999" cy="2031325"/>
+          </a:xfrm>
+          <a:prstGeom prst="rect">
+            <a:avLst/>
+          </a:prstGeom>
+          <a:noFill/>
+        </p:spPr>
+        <p:txBody>
+          <a:bodyPr wrap="square">
+            <a:spAutoFit/>
+          </a:bodyPr>
+          <a:lstStyle/>
+          <a:p>
+            <a:pPr algn="l" fontAlgn="base"/>
+            <a:r>
+              <a:rPr lang="en-US" b="1" i="0" dirty="0">
+                <a:solidFill>
+                  <a:srgbClr val="000000"/>
+                </a:solidFill>
+                <a:effectLst/>
+                <a:latin typeface="arial" panose="020B0604020202020204" pitchFamily="34" charset="0"/>
+              </a:rPr>
+              <a:t>Why do we need an interface in C#?</a:t>
+            </a:r>
+            <a:endParaRPr lang="en-US" b="0" i="0" dirty="0">
+              <a:solidFill>
+                <a:srgbClr val="3A3A3A"/>
+              </a:solidFill>
+              <a:effectLst/>
+              <a:latin typeface="-apple-system"/>
+            </a:endParaRPr>
+          </a:p>
+          <a:p>
+            <a:pPr algn="just" fontAlgn="base"/>
+            <a:r>
+              <a:rPr lang="en-US" b="0" i="0" dirty="0">
+                <a:solidFill>
+                  <a:srgbClr val="000000"/>
+                </a:solidFill>
+                <a:effectLst/>
+                <a:latin typeface="arial" panose="020B0604020202020204" pitchFamily="34" charset="0"/>
+              </a:rPr>
+              <a:t>We know the concept of multiple inheritances where one class is derived from more than one </a:t>
+            </a:r>
+            <a:r>
+              <a:rPr lang="en-US" b="0" i="0" dirty="0" err="1">
+                <a:solidFill>
+                  <a:srgbClr val="000000"/>
+                </a:solidFill>
+                <a:effectLst/>
+                <a:latin typeface="arial" panose="020B0604020202020204" pitchFamily="34" charset="0"/>
+              </a:rPr>
+              <a:t>superclasses</a:t>
+            </a:r>
+            <a:r>
+              <a:rPr lang="en-US" b="0" i="0" dirty="0">
+                <a:solidFill>
+                  <a:srgbClr val="000000"/>
+                </a:solidFill>
+                <a:effectLst/>
+                <a:latin typeface="arial" panose="020B0604020202020204" pitchFamily="34" charset="0"/>
+              </a:rPr>
+              <a:t>. For example a definition likes</a:t>
+            </a:r>
+          </a:p>
+          <a:p>
+            <a:pPr algn="just" fontAlgn="base"/>
+            <a:endParaRPr lang="en-US" dirty="0">
+              <a:solidFill>
+                <a:srgbClr val="000000"/>
+              </a:solidFill>
+              <a:latin typeface="arial" panose="020B0604020202020204" pitchFamily="34" charset="0"/>
+            </a:endParaRPr>
+          </a:p>
+          <a:p>
+            <a:pPr algn="just" fontAlgn="base"/>
+            <a:r>
+              <a:rPr lang="en-US" dirty="0">
+                <a:solidFill>
+                  <a:srgbClr val="000000"/>
+                </a:solidFill>
+                <a:latin typeface="arial" panose="020B0604020202020204" pitchFamily="34" charset="0"/>
+              </a:rPr>
+              <a:t>Class A:B,C</a:t>
+            </a:r>
+          </a:p>
+          <a:p>
+            <a:pPr algn="just" fontAlgn="base"/>
+            <a:r>
+              <a:rPr lang="en-US" b="0" i="0" dirty="0">
+                <a:solidFill>
+                  <a:srgbClr val="000000"/>
+                </a:solidFill>
+                <a:effectLst/>
+                <a:latin typeface="arial" panose="020B0604020202020204" pitchFamily="34" charset="0"/>
+              </a:rPr>
+              <a:t>{</a:t>
+            </a:r>
+          </a:p>
+          <a:p>
+            <a:pPr algn="just" fontAlgn="base"/>
+            <a:r>
+              <a:rPr lang="en-US" b="0" i="0" dirty="0">
+                <a:solidFill>
+                  <a:srgbClr val="000000"/>
+                </a:solidFill>
+                <a:effectLst/>
+                <a:latin typeface="arial" panose="020B0604020202020204" pitchFamily="34" charset="0"/>
+              </a:rPr>
+              <a:t>}</a:t>
+            </a:r>
+            <a:endParaRPr lang="en-US" b="0" i="0" dirty="0">
+              <a:solidFill>
+                <a:srgbClr val="212529"/>
+              </a:solidFill>
+              <a:effectLst/>
+              <a:latin typeface="-apple-system"/>
+            </a:endParaRPr>
+          </a:p>
+        </p:txBody>
+      </p:sp>
+      <p:sp>
+        <p:nvSpPr>
+          <p:cNvPr id="7" name="TextBox 6">
+            <a:extLst>
+              <a:ext uri="{FF2B5EF4-FFF2-40B4-BE49-F238E27FC236}">
+                <a16:creationId xmlns:a16="http://schemas.microsoft.com/office/drawing/2014/main" id="{3B140A98-07C4-4591-AE76-53C37D002902}"/>
+              </a:ext>
+            </a:extLst>
+          </p:cNvPr>
+          <p:cNvSpPr txBox="1"/>
+          <p:nvPr/>
+        </p:nvSpPr>
+        <p:spPr>
+          <a:xfrm>
+            <a:off x="0" y="3456687"/>
+            <a:ext cx="12192000" cy="3693319"/>
+          </a:xfrm>
+          <a:prstGeom prst="rect">
+            <a:avLst/>
+          </a:prstGeom>
+          <a:noFill/>
+        </p:spPr>
+        <p:txBody>
+          <a:bodyPr wrap="square">
+            <a:spAutoFit/>
+          </a:bodyPr>
+          <a:lstStyle/>
+          <a:p>
+            <a:pPr algn="just" fontAlgn="base"/>
+            <a:r>
+              <a:rPr lang="en-US" b="1" i="0" dirty="0">
+                <a:solidFill>
+                  <a:srgbClr val="000000"/>
+                </a:solidFill>
+                <a:effectLst/>
+                <a:latin typeface="arial" panose="020B0604020202020204" pitchFamily="34" charset="0"/>
+              </a:rPr>
+              <a:t>How to declare an interface in C#?</a:t>
+            </a:r>
+            <a:endParaRPr lang="en-US" b="0" i="0" dirty="0">
+              <a:solidFill>
+                <a:srgbClr val="3A3A3A"/>
+              </a:solidFill>
+              <a:effectLst/>
+              <a:latin typeface="-apple-system"/>
+            </a:endParaRPr>
+          </a:p>
+          <a:p>
+            <a:pPr algn="just" fontAlgn="base"/>
+            <a:r>
+              <a:rPr lang="en-US" b="0" i="0" dirty="0">
+                <a:solidFill>
+                  <a:srgbClr val="212529"/>
+                </a:solidFill>
+                <a:effectLst/>
+                <a:latin typeface="arial" panose="020B0604020202020204" pitchFamily="34" charset="0"/>
+              </a:rPr>
+              <a:t>By using the keyword </a:t>
+            </a:r>
+            <a:r>
+              <a:rPr lang="en-US" b="1" i="0" dirty="0">
+                <a:solidFill>
+                  <a:srgbClr val="0000FF"/>
+                </a:solidFill>
+                <a:effectLst/>
+                <a:latin typeface="arial" panose="020B0604020202020204" pitchFamily="34" charset="0"/>
+              </a:rPr>
+              <a:t>interface</a:t>
+            </a:r>
+            <a:r>
+              <a:rPr lang="en-US" b="0" i="0" dirty="0">
+                <a:solidFill>
+                  <a:srgbClr val="212529"/>
+                </a:solidFill>
+                <a:effectLst/>
+                <a:latin typeface="arial" panose="020B0604020202020204" pitchFamily="34" charset="0"/>
+              </a:rPr>
+              <a:t> we can declare an interface.</a:t>
+            </a:r>
+            <a:endParaRPr lang="en-US" b="0" i="0" dirty="0">
+              <a:solidFill>
+                <a:srgbClr val="212529"/>
+              </a:solidFill>
+              <a:effectLst/>
+              <a:latin typeface="-apple-system"/>
+            </a:endParaRPr>
+          </a:p>
+          <a:p>
+            <a:pPr algn="l" rtl="0" fontAlgn="base"/>
+            <a:r>
+              <a:rPr lang="en-US" b="0" i="0" dirty="0">
+                <a:solidFill>
+                  <a:srgbClr val="6B7C8B"/>
+                </a:solidFill>
+                <a:effectLst/>
+                <a:latin typeface="inherit"/>
+              </a:rPr>
+              <a:t>// SYNTAX:</a:t>
+            </a:r>
+            <a:endParaRPr lang="en-US" b="0" i="0" dirty="0">
+              <a:solidFill>
+                <a:srgbClr val="596174"/>
+              </a:solidFill>
+              <a:effectLst/>
+              <a:latin typeface="Inconsolata" pitchFamily="2" charset="0"/>
+            </a:endParaRPr>
+          </a:p>
+          <a:p>
+            <a:pPr algn="l" rtl="0" fontAlgn="base"/>
+            <a:r>
+              <a:rPr lang="en-US" b="1" i="0" dirty="0">
+                <a:solidFill>
+                  <a:srgbClr val="D171DD"/>
+                </a:solidFill>
+                <a:effectLst/>
+                <a:latin typeface="inherit"/>
+              </a:rPr>
+              <a:t>public</a:t>
+            </a:r>
+            <a:r>
+              <a:rPr lang="en-US" b="0" i="0" dirty="0">
+                <a:solidFill>
+                  <a:srgbClr val="CFD5E0"/>
+                </a:solidFill>
+                <a:effectLst/>
+                <a:latin typeface="inherit"/>
+              </a:rPr>
+              <a:t> </a:t>
+            </a:r>
+            <a:r>
+              <a:rPr lang="en-US" b="1" i="0" dirty="0">
+                <a:solidFill>
+                  <a:srgbClr val="D171DD"/>
+                </a:solidFill>
+                <a:effectLst/>
+                <a:latin typeface="inherit"/>
+              </a:rPr>
+              <a:t>interface</a:t>
+            </a:r>
+            <a:r>
+              <a:rPr lang="en-US" b="0" i="0" dirty="0">
+                <a:solidFill>
+                  <a:srgbClr val="CFD5E0"/>
+                </a:solidFill>
+                <a:effectLst/>
+                <a:latin typeface="inherit"/>
+              </a:rPr>
+              <a:t> </a:t>
+            </a:r>
+            <a:r>
+              <a:rPr lang="en-US" b="0" i="0" dirty="0" err="1">
+                <a:solidFill>
+                  <a:srgbClr val="CFD5E0"/>
+                </a:solidFill>
+                <a:effectLst/>
+                <a:latin typeface="inherit"/>
+              </a:rPr>
+              <a:t>InterfaceName</a:t>
+            </a:r>
+            <a:endParaRPr lang="en-US" b="0" i="0" dirty="0">
+              <a:solidFill>
+                <a:srgbClr val="596174"/>
+              </a:solidFill>
+              <a:effectLst/>
+              <a:latin typeface="Inconsolata" pitchFamily="2" charset="0"/>
+            </a:endParaRPr>
+          </a:p>
+          <a:p>
+            <a:pPr algn="l" rtl="0" fontAlgn="base"/>
+            <a:r>
+              <a:rPr lang="en-US" b="1" i="0" dirty="0">
+                <a:solidFill>
+                  <a:srgbClr val="6B7C8B"/>
+                </a:solidFill>
+                <a:effectLst/>
+                <a:latin typeface="inherit"/>
+              </a:rPr>
+              <a:t>{</a:t>
+            </a:r>
+            <a:endParaRPr lang="en-US" b="0" i="0" dirty="0">
+              <a:solidFill>
+                <a:srgbClr val="596174"/>
+              </a:solidFill>
+              <a:effectLst/>
+              <a:latin typeface="Inconsolata" pitchFamily="2" charset="0"/>
+            </a:endParaRPr>
+          </a:p>
+          <a:p>
+            <a:pPr algn="l" rtl="0" fontAlgn="base"/>
+            <a:r>
+              <a:rPr lang="en-US" b="0" i="0" dirty="0">
+                <a:solidFill>
+                  <a:srgbClr val="6B7C8B"/>
+                </a:solidFill>
+                <a:effectLst/>
+                <a:latin typeface="inherit"/>
+              </a:rPr>
+              <a:t>//only abstract methods</a:t>
+            </a:r>
+            <a:endParaRPr lang="en-US" b="0" i="0" dirty="0">
+              <a:solidFill>
+                <a:srgbClr val="596174"/>
+              </a:solidFill>
+              <a:effectLst/>
+              <a:latin typeface="Inconsolata" pitchFamily="2" charset="0"/>
+            </a:endParaRPr>
+          </a:p>
+          <a:p>
+            <a:pPr algn="l" rtl="0" fontAlgn="base"/>
+            <a:r>
+              <a:rPr lang="en-US" b="1" i="0" dirty="0">
+                <a:solidFill>
+                  <a:srgbClr val="6B7C8B"/>
+                </a:solidFill>
+                <a:effectLst/>
+                <a:latin typeface="inherit"/>
+              </a:rPr>
+              <a:t>}</a:t>
+            </a:r>
+            <a:endParaRPr lang="en-US" b="0" i="0" dirty="0">
+              <a:solidFill>
+                <a:srgbClr val="596174"/>
+              </a:solidFill>
+              <a:effectLst/>
+              <a:latin typeface="Inconsolata" pitchFamily="2" charset="0"/>
+            </a:endParaRPr>
+          </a:p>
+          <a:p>
+            <a:pPr algn="l" rtl="0" fontAlgn="base"/>
+            <a:r>
+              <a:rPr lang="en-US" b="0" i="0" dirty="0">
+                <a:solidFill>
+                  <a:srgbClr val="6B7C8B"/>
+                </a:solidFill>
+                <a:effectLst/>
+                <a:latin typeface="inherit"/>
+              </a:rPr>
+              <a:t>// For example</a:t>
+            </a:r>
+            <a:endParaRPr lang="en-US" b="0" i="0" dirty="0">
+              <a:solidFill>
+                <a:srgbClr val="596174"/>
+              </a:solidFill>
+              <a:effectLst/>
+              <a:latin typeface="Inconsolata" pitchFamily="2" charset="0"/>
+            </a:endParaRPr>
+          </a:p>
+          <a:p>
+            <a:pPr algn="l" rtl="0" fontAlgn="base"/>
+            <a:r>
+              <a:rPr lang="en-US" b="1" i="0" dirty="0">
+                <a:solidFill>
+                  <a:srgbClr val="D171DD"/>
+                </a:solidFill>
+                <a:effectLst/>
+                <a:latin typeface="inherit"/>
+              </a:rPr>
+              <a:t>public</a:t>
+            </a:r>
+            <a:r>
+              <a:rPr lang="en-US" b="0" i="0" dirty="0">
+                <a:solidFill>
+                  <a:srgbClr val="CFD5E0"/>
+                </a:solidFill>
+                <a:effectLst/>
+                <a:latin typeface="inherit"/>
+              </a:rPr>
+              <a:t> </a:t>
+            </a:r>
+            <a:r>
+              <a:rPr lang="en-US" b="1" i="0" dirty="0">
+                <a:solidFill>
+                  <a:srgbClr val="D171DD"/>
+                </a:solidFill>
+                <a:effectLst/>
+                <a:latin typeface="inherit"/>
+              </a:rPr>
+              <a:t>interface</a:t>
+            </a:r>
+            <a:r>
+              <a:rPr lang="en-US" b="0" i="0" dirty="0">
+                <a:solidFill>
+                  <a:srgbClr val="CFD5E0"/>
+                </a:solidFill>
+                <a:effectLst/>
+                <a:latin typeface="inherit"/>
+              </a:rPr>
+              <a:t> Example</a:t>
+            </a:r>
+            <a:endParaRPr lang="en-US" b="0" i="0" dirty="0">
+              <a:solidFill>
+                <a:srgbClr val="596174"/>
+              </a:solidFill>
+              <a:effectLst/>
+              <a:latin typeface="Inconsolata" pitchFamily="2" charset="0"/>
+            </a:endParaRPr>
+          </a:p>
+          <a:p>
+            <a:pPr algn="l" rtl="0" fontAlgn="base"/>
+            <a:r>
+              <a:rPr lang="en-US" b="1" i="0" dirty="0">
+                <a:solidFill>
+                  <a:srgbClr val="6B7C8B"/>
+                </a:solidFill>
+                <a:effectLst/>
+                <a:latin typeface="inherit"/>
+              </a:rPr>
+              <a:t>{</a:t>
+            </a:r>
+            <a:endParaRPr lang="en-US" b="0" i="0" dirty="0">
+              <a:solidFill>
+                <a:srgbClr val="596174"/>
+              </a:solidFill>
+              <a:effectLst/>
+              <a:latin typeface="Inconsolata" pitchFamily="2" charset="0"/>
+            </a:endParaRPr>
+          </a:p>
+          <a:p>
+            <a:pPr algn="l" rtl="0" fontAlgn="base"/>
+            <a:r>
+              <a:rPr lang="en-US" b="1" i="0" dirty="0">
+                <a:solidFill>
+                  <a:srgbClr val="D171DD"/>
+                </a:solidFill>
+                <a:effectLst/>
+                <a:latin typeface="inherit"/>
+              </a:rPr>
+              <a:t>void</a:t>
+            </a:r>
+            <a:r>
+              <a:rPr lang="en-US" b="0" i="0" dirty="0">
+                <a:solidFill>
+                  <a:srgbClr val="CFD5E0"/>
+                </a:solidFill>
+                <a:effectLst/>
+                <a:latin typeface="inherit"/>
+              </a:rPr>
+              <a:t> </a:t>
+            </a:r>
+            <a:r>
+              <a:rPr lang="en-US" b="0" i="0" dirty="0">
+                <a:solidFill>
+                  <a:srgbClr val="4284AE"/>
+                </a:solidFill>
+                <a:effectLst/>
+                <a:latin typeface="inherit"/>
+              </a:rPr>
+              <a:t>show</a:t>
+            </a:r>
+            <a:r>
+              <a:rPr lang="en-US" b="1" i="0" dirty="0">
+                <a:solidFill>
+                  <a:srgbClr val="6B7C8B"/>
+                </a:solidFill>
+                <a:effectLst/>
+                <a:latin typeface="inherit"/>
+              </a:rPr>
+              <a:t>()</a:t>
+            </a:r>
+            <a:r>
+              <a:rPr lang="en-US" b="0" i="0" dirty="0">
+                <a:solidFill>
+                  <a:srgbClr val="CFD5E0"/>
+                </a:solidFill>
+                <a:effectLst/>
+                <a:latin typeface="inherit"/>
+              </a:rPr>
+              <a:t>;</a:t>
+            </a:r>
+            <a:endParaRPr lang="en-US" b="0" i="0" dirty="0">
+              <a:solidFill>
+                <a:srgbClr val="596174"/>
+              </a:solidFill>
+              <a:effectLst/>
+              <a:latin typeface="Inconsolata" pitchFamily="2" charset="0"/>
+            </a:endParaRPr>
+          </a:p>
+          <a:p>
+            <a:pPr algn="l" rtl="0" fontAlgn="base"/>
+            <a:r>
+              <a:rPr lang="en-US" b="1" i="0" dirty="0">
+                <a:solidFill>
+                  <a:srgbClr val="6B7C8B"/>
+                </a:solidFill>
+                <a:effectLst/>
+                <a:latin typeface="inherit"/>
+              </a:rPr>
+              <a:t>}</a:t>
+            </a:r>
+            <a:endParaRPr lang="en-US" b="0" i="0" dirty="0">
+              <a:solidFill>
+                <a:srgbClr val="596174"/>
+              </a:solidFill>
+              <a:effectLst/>
+              <a:latin typeface="Inconsolata" pitchFamily="2" charset="0"/>
+            </a:endParaRPr>
+          </a:p>
+          <a:p>
+            <a:pPr algn="just" fontAlgn="base"/>
+            <a:endParaRPr lang="en-US" b="0" i="0" dirty="0">
+              <a:solidFill>
+                <a:srgbClr val="212529"/>
+              </a:solidFill>
+              <a:effectLst/>
+              <a:latin typeface="-apple-system"/>
+            </a:endParaRPr>
+          </a:p>
+        </p:txBody>
+      </p:sp>
+    </p:spTree>
+    <p:extLst>
+      <p:ext uri="{BB962C8B-B14F-4D97-AF65-F5344CB8AC3E}">
+        <p14:creationId xmlns:p14="http://schemas.microsoft.com/office/powerpoint/2010/main" val="3442031119"/>
+      </p:ext>
+    </p:extLst>
+  </p:cSld>
+  <p:clrMapOvr>
+    <a:masterClrMapping/>
+  </p:clrMapOvr>
+</p:sld>
+</file>
+
+<file path=ppt/slides/slide8.xml><?xml version="1.0" encoding="utf-8"?>
+<p:sld xmlns:a="http://schemas.openxmlformats.org/drawingml/2006/main" xmlns:r="http://schemas.openxmlformats.org/officeDocument/2006/relationships" xmlns:p="http://schemas.openxmlformats.org/presentationml/2006/main">
+  <p:cSld>
+    <p:spTree>
+      <p:nvGrpSpPr>
+        <p:cNvPr id="1" name=""/>
+        <p:cNvGrpSpPr/>
+        <p:nvPr/>
+      </p:nvGrpSpPr>
+      <p:grpSpPr>
+        <a:xfrm>
+          <a:off x="0" y="0"/>
+          <a:ext cx="0" cy="0"/>
+          <a:chOff x="0" y="0"/>
+          <a:chExt cx="0" cy="0"/>
+        </a:xfrm>
+      </p:grpSpPr>
+      <p:sp>
+        <p:nvSpPr>
+          <p:cNvPr id="3" name="TextBox 2">
+            <a:extLst>
+              <a:ext uri="{FF2B5EF4-FFF2-40B4-BE49-F238E27FC236}">
+                <a16:creationId xmlns:a16="http://schemas.microsoft.com/office/drawing/2014/main" id="{CF450011-04C3-4C4A-81EB-36400C6B816F}"/>
+              </a:ext>
+            </a:extLst>
+          </p:cNvPr>
+          <p:cNvSpPr txBox="1"/>
+          <p:nvPr/>
+        </p:nvSpPr>
+        <p:spPr>
+          <a:xfrm>
+            <a:off x="0" y="73059"/>
+            <a:ext cx="12192000" cy="1754326"/>
+          </a:xfrm>
+          <a:prstGeom prst="rect">
+            <a:avLst/>
+          </a:prstGeom>
+          <a:noFill/>
+        </p:spPr>
+        <p:txBody>
+          <a:bodyPr wrap="square">
+            <a:spAutoFit/>
+          </a:bodyPr>
+          <a:lstStyle/>
+          <a:p>
+            <a:pPr algn="just" fontAlgn="base"/>
+            <a:r>
+              <a:rPr lang="en-US" b="0" i="0" dirty="0">
+                <a:solidFill>
+                  <a:srgbClr val="000000"/>
+                </a:solidFill>
+                <a:effectLst/>
+                <a:latin typeface="arial" panose="020B0604020202020204" pitchFamily="34" charset="0"/>
+              </a:rPr>
+              <a:t>Here the keyword interface tells that Example is an interface containing one abstract method i.e. show(). By default, the members of an interface are public and abstract. An interface can contain</a:t>
+            </a:r>
+            <a:endParaRPr lang="en-US" b="0" i="0" dirty="0">
+              <a:solidFill>
+                <a:srgbClr val="212529"/>
+              </a:solidFill>
+              <a:effectLst/>
+              <a:latin typeface="-apple-system"/>
+            </a:endParaRPr>
+          </a:p>
+          <a:p>
+            <a:pPr algn="just" fontAlgn="base">
+              <a:buFont typeface="+mj-lt"/>
+              <a:buAutoNum type="arabicPeriod"/>
+            </a:pPr>
+            <a:r>
+              <a:rPr lang="en-US" b="1" i="0" dirty="0">
+                <a:solidFill>
+                  <a:srgbClr val="0000FF"/>
+                </a:solidFill>
+                <a:effectLst/>
+                <a:latin typeface="arial" panose="020B0604020202020204" pitchFamily="34" charset="0"/>
+              </a:rPr>
+              <a:t>Abstract methods</a:t>
+            </a:r>
+            <a:endParaRPr lang="en-US" b="0" i="0" dirty="0">
+              <a:solidFill>
+                <a:srgbClr val="212529"/>
+              </a:solidFill>
+              <a:effectLst/>
+              <a:latin typeface="-apple-system"/>
+            </a:endParaRPr>
+          </a:p>
+          <a:p>
+            <a:pPr algn="just" fontAlgn="base">
+              <a:buFont typeface="+mj-lt"/>
+              <a:buAutoNum type="arabicPeriod"/>
+            </a:pPr>
+            <a:r>
+              <a:rPr lang="en-US" b="1" i="0" dirty="0">
+                <a:solidFill>
+                  <a:srgbClr val="0000FF"/>
+                </a:solidFill>
+                <a:effectLst/>
+                <a:latin typeface="arial" panose="020B0604020202020204" pitchFamily="34" charset="0"/>
+              </a:rPr>
+              <a:t>Properties</a:t>
+            </a:r>
+            <a:endParaRPr lang="en-US" b="0" i="0" dirty="0">
+              <a:solidFill>
+                <a:srgbClr val="212529"/>
+              </a:solidFill>
+              <a:effectLst/>
+              <a:latin typeface="-apple-system"/>
+            </a:endParaRPr>
+          </a:p>
+          <a:p>
+            <a:pPr algn="just" fontAlgn="base">
+              <a:buFont typeface="+mj-lt"/>
+              <a:buAutoNum type="arabicPeriod"/>
+            </a:pPr>
+            <a:r>
+              <a:rPr lang="en-US" b="1" i="0" dirty="0">
+                <a:solidFill>
+                  <a:srgbClr val="0000FF"/>
+                </a:solidFill>
+                <a:effectLst/>
+                <a:latin typeface="arial" panose="020B0604020202020204" pitchFamily="34" charset="0"/>
+              </a:rPr>
+              <a:t>Indexes</a:t>
+            </a:r>
+            <a:endParaRPr lang="en-US" b="0" i="0" dirty="0">
+              <a:solidFill>
+                <a:srgbClr val="212529"/>
+              </a:solidFill>
+              <a:effectLst/>
+              <a:latin typeface="-apple-system"/>
+            </a:endParaRPr>
+          </a:p>
+          <a:p>
+            <a:pPr algn="just" fontAlgn="base">
+              <a:buFont typeface="+mj-lt"/>
+              <a:buAutoNum type="arabicPeriod"/>
+            </a:pPr>
+            <a:r>
+              <a:rPr lang="en-US" b="1" i="0" dirty="0">
+                <a:solidFill>
+                  <a:srgbClr val="0000FF"/>
+                </a:solidFill>
+                <a:effectLst/>
+                <a:latin typeface="arial" panose="020B0604020202020204" pitchFamily="34" charset="0"/>
+              </a:rPr>
+              <a:t>Events</a:t>
+            </a:r>
+            <a:endParaRPr lang="en-US" dirty="0"/>
+          </a:p>
+        </p:txBody>
+      </p:sp>
+      <p:sp>
+        <p:nvSpPr>
+          <p:cNvPr id="5" name="TextBox 4">
+            <a:extLst>
+              <a:ext uri="{FF2B5EF4-FFF2-40B4-BE49-F238E27FC236}">
+                <a16:creationId xmlns:a16="http://schemas.microsoft.com/office/drawing/2014/main" id="{E47AA040-5049-4167-8DFA-4915B8FCE341}"/>
+              </a:ext>
+            </a:extLst>
+          </p:cNvPr>
+          <p:cNvSpPr txBox="1"/>
+          <p:nvPr/>
+        </p:nvSpPr>
+        <p:spPr>
+          <a:xfrm>
+            <a:off x="0" y="2045669"/>
+            <a:ext cx="12191999" cy="3416320"/>
+          </a:xfrm>
+          <a:prstGeom prst="rect">
+            <a:avLst/>
+          </a:prstGeom>
+          <a:noFill/>
+        </p:spPr>
+        <p:txBody>
+          <a:bodyPr wrap="square">
+            <a:spAutoFit/>
+          </a:bodyPr>
+          <a:lstStyle/>
+          <a:p>
+            <a:pPr algn="just" fontAlgn="base"/>
+            <a:r>
+              <a:rPr lang="en-US" b="1" i="0" dirty="0">
+                <a:solidFill>
+                  <a:srgbClr val="000000"/>
+                </a:solidFill>
+                <a:effectLst/>
+                <a:latin typeface="arial" panose="020B0604020202020204" pitchFamily="34" charset="0"/>
+              </a:rPr>
+              <a:t>Rules to follow while working with the interface</a:t>
+            </a:r>
+            <a:endParaRPr lang="en-US" b="0" i="0" dirty="0">
+              <a:solidFill>
+                <a:srgbClr val="3A3A3A"/>
+              </a:solidFill>
+              <a:effectLst/>
+              <a:latin typeface="-apple-system"/>
+            </a:endParaRPr>
+          </a:p>
+          <a:p>
+            <a:pPr algn="just" fontAlgn="base"/>
+            <a:r>
+              <a:rPr lang="en-US" b="0" i="0" dirty="0">
+                <a:solidFill>
+                  <a:srgbClr val="000000"/>
+                </a:solidFill>
+                <a:effectLst/>
+                <a:latin typeface="arial" panose="020B0604020202020204" pitchFamily="34" charset="0"/>
+              </a:rPr>
+              <a:t>While working with an interface, we must follow the below rules.</a:t>
+            </a:r>
+            <a:endParaRPr lang="en-US" b="0" i="0" dirty="0">
+              <a:solidFill>
+                <a:srgbClr val="212529"/>
+              </a:solidFill>
+              <a:effectLst/>
+              <a:latin typeface="-apple-system"/>
+            </a:endParaRPr>
+          </a:p>
+          <a:p>
+            <a:pPr algn="just" fontAlgn="base">
+              <a:buFont typeface="+mj-lt"/>
+              <a:buAutoNum type="arabicPeriod"/>
+            </a:pPr>
+            <a:r>
+              <a:rPr lang="en-US" b="0" i="0" dirty="0">
+                <a:solidFill>
+                  <a:srgbClr val="000000"/>
+                </a:solidFill>
+                <a:effectLst/>
+                <a:latin typeface="arial" panose="020B0604020202020204" pitchFamily="34" charset="0"/>
+              </a:rPr>
+              <a:t>The interface cannot have concrete methods, violation leads to CE: interface methods cannot have a body.</a:t>
+            </a:r>
+            <a:endParaRPr lang="en-US" b="0" i="0" dirty="0">
+              <a:solidFill>
+                <a:srgbClr val="212529"/>
+              </a:solidFill>
+              <a:effectLst/>
+              <a:latin typeface="-apple-system"/>
+            </a:endParaRPr>
+          </a:p>
+          <a:p>
+            <a:pPr algn="just" fontAlgn="base">
+              <a:buFont typeface="+mj-lt"/>
+              <a:buAutoNum type="arabicPeriod"/>
+            </a:pPr>
+            <a:r>
+              <a:rPr lang="en-US" b="0" i="0" dirty="0">
+                <a:solidFill>
+                  <a:srgbClr val="000000"/>
+                </a:solidFill>
+                <a:effectLst/>
+                <a:latin typeface="arial" panose="020B0604020202020204" pitchFamily="34" charset="0"/>
+              </a:rPr>
+              <a:t>We cannot declare interface members as private or protected members violation leads to CE:” modifier is not allowed here”.</a:t>
+            </a:r>
+            <a:endParaRPr lang="en-US" b="0" i="0" dirty="0">
+              <a:solidFill>
+                <a:srgbClr val="212529"/>
+              </a:solidFill>
+              <a:effectLst/>
+              <a:latin typeface="-apple-system"/>
+            </a:endParaRPr>
+          </a:p>
+          <a:p>
+            <a:pPr algn="just" fontAlgn="base">
+              <a:buFont typeface="+mj-lt"/>
+              <a:buAutoNum type="arabicPeriod"/>
+            </a:pPr>
+            <a:r>
+              <a:rPr lang="en-US" b="0" i="0" dirty="0">
+                <a:solidFill>
+                  <a:srgbClr val="000000"/>
+                </a:solidFill>
+                <a:effectLst/>
+                <a:latin typeface="arial" panose="020B0604020202020204" pitchFamily="34" charset="0"/>
+              </a:rPr>
+              <a:t>An interface cannot be instantiated but its reference variable can be created for storing its subclass object reference.</a:t>
+            </a:r>
+            <a:endParaRPr lang="en-US" b="0" i="0" dirty="0">
+              <a:solidFill>
+                <a:srgbClr val="212529"/>
+              </a:solidFill>
+              <a:effectLst/>
+              <a:latin typeface="-apple-system"/>
+            </a:endParaRPr>
+          </a:p>
+          <a:p>
+            <a:pPr algn="just" fontAlgn="base">
+              <a:buFont typeface="+mj-lt"/>
+              <a:buAutoNum type="arabicPeriod"/>
+            </a:pPr>
+            <a:r>
+              <a:rPr lang="en-US" b="0" i="0" dirty="0">
+                <a:solidFill>
+                  <a:srgbClr val="000000"/>
+                </a:solidFill>
+                <a:effectLst/>
+                <a:latin typeface="arial" panose="020B0604020202020204" pitchFamily="34" charset="0"/>
+              </a:rPr>
+              <a:t>We cannot declare the interface as sealed it leads to CE: “illegal combination of modifier interface and final”.</a:t>
+            </a:r>
+            <a:endParaRPr lang="en-US" b="0" i="0" dirty="0">
+              <a:solidFill>
+                <a:srgbClr val="212529"/>
+              </a:solidFill>
+              <a:effectLst/>
+              <a:latin typeface="-apple-system"/>
+            </a:endParaRPr>
+          </a:p>
+          <a:p>
+            <a:pPr algn="just" fontAlgn="base">
+              <a:buFont typeface="+mj-lt"/>
+              <a:buAutoNum type="arabicPeriod"/>
+            </a:pPr>
+            <a:r>
+              <a:rPr lang="en-US" b="0" i="0" dirty="0">
+                <a:solidFill>
+                  <a:srgbClr val="000000"/>
+                </a:solidFill>
+                <a:effectLst/>
+                <a:latin typeface="arial" panose="020B0604020202020204" pitchFamily="34" charset="0"/>
+              </a:rPr>
+              <a:t>The class derived from the interface should implement all abstract methods of the interface otherwise it should be declared as abstract else it leads to a compile-time error.</a:t>
+            </a:r>
+            <a:endParaRPr lang="en-US" b="0" i="0" dirty="0">
+              <a:solidFill>
+                <a:srgbClr val="212529"/>
+              </a:solidFill>
+              <a:effectLst/>
+              <a:latin typeface="-apple-system"/>
+            </a:endParaRPr>
+          </a:p>
+          <a:p>
+            <a:pPr algn="just" fontAlgn="base">
+              <a:buFont typeface="+mj-lt"/>
+              <a:buAutoNum type="arabicPeriod"/>
+            </a:pPr>
+            <a:r>
+              <a:rPr lang="en-US" b="0" i="0" dirty="0">
+                <a:solidFill>
+                  <a:srgbClr val="000000"/>
+                </a:solidFill>
+                <a:effectLst/>
+                <a:latin typeface="arial" panose="020B0604020202020204" pitchFamily="34" charset="0"/>
+              </a:rPr>
+              <a:t>The subclass should implement the interface method with public keyword because interface methods default accessibility modifier is public.</a:t>
+            </a:r>
+            <a:endParaRPr lang="en-US" b="0" i="0" dirty="0">
+              <a:solidFill>
+                <a:srgbClr val="212529"/>
+              </a:solidFill>
+              <a:effectLst/>
+              <a:latin typeface="-apple-system"/>
+            </a:endParaRPr>
+          </a:p>
+          <a:p>
+            <a:pPr algn="just" fontAlgn="base">
+              <a:buFont typeface="+mj-lt"/>
+              <a:buAutoNum type="arabicPeriod"/>
+            </a:pPr>
+            <a:r>
+              <a:rPr lang="en-US" b="0" i="0" dirty="0">
+                <a:solidFill>
+                  <a:srgbClr val="000000"/>
+                </a:solidFill>
+                <a:effectLst/>
+                <a:latin typeface="arial" panose="020B0604020202020204" pitchFamily="34" charset="0"/>
+              </a:rPr>
+              <a:t>In an interface, we cannot create fields variable violation leads to a compile-time error.</a:t>
+            </a:r>
+            <a:endParaRPr lang="en-US" b="0" i="0" dirty="0">
+              <a:solidFill>
+                <a:srgbClr val="212529"/>
+              </a:solidFill>
+              <a:effectLst/>
+              <a:latin typeface="-apple-system"/>
+            </a:endParaRPr>
+          </a:p>
+        </p:txBody>
+      </p:sp>
+    </p:spTree>
+    <p:extLst>
+      <p:ext uri="{BB962C8B-B14F-4D97-AF65-F5344CB8AC3E}">
+        <p14:creationId xmlns:p14="http://schemas.microsoft.com/office/powerpoint/2010/main" val="2677442579"/>
+      </p:ext>
+    </p:extLst>
+  </p:cSld>
+  <p:clrMapOvr>
+    <a:masterClrMapping/>
+  </p:clrMapOvr>
+</p:sld>
+</file>
+
+<file path=ppt/slides/slide9.xml><?xml version="1.0" encoding="utf-8"?>
+<p:sld xmlns:a="http://schemas.openxmlformats.org/drawingml/2006/main" xmlns:r="http://schemas.openxmlformats.org/officeDocument/2006/relationships" xmlns:p="http://schemas.openxmlformats.org/presentationml/2006/main">
+  <p:cSld>
+    <p:spTree>
+      <p:nvGrpSpPr>
+        <p:cNvPr id="1" name=""/>
+        <p:cNvGrpSpPr/>
+        <p:nvPr/>
+      </p:nvGrpSpPr>
+      <p:grpSpPr>
+        <a:xfrm>
+          <a:off x="0" y="0"/>
+          <a:ext cx="0" cy="0"/>
+          <a:chOff x="0" y="0"/>
+          <a:chExt cx="0" cy="0"/>
+        </a:xfrm>
+      </p:grpSpPr>
+      <p:sp>
+        <p:nvSpPr>
+          <p:cNvPr id="3" name="TextBox 2">
+            <a:extLst>
+              <a:ext uri="{FF2B5EF4-FFF2-40B4-BE49-F238E27FC236}">
+                <a16:creationId xmlns:a16="http://schemas.microsoft.com/office/drawing/2014/main" id="{EE72CFCB-1FB9-45BC-935F-A2BC9F493EF8}"/>
+              </a:ext>
+            </a:extLst>
+          </p:cNvPr>
+          <p:cNvSpPr txBox="1"/>
+          <p:nvPr/>
+        </p:nvSpPr>
+        <p:spPr>
+          <a:xfrm>
+            <a:off x="0" y="0"/>
+            <a:ext cx="6097604" cy="369332"/>
+          </a:xfrm>
+          <a:prstGeom prst="rect">
+            <a:avLst/>
+          </a:prstGeom>
+          <a:noFill/>
+        </p:spPr>
+        <p:txBody>
+          <a:bodyPr wrap="square">
+            <a:spAutoFit/>
+          </a:bodyPr>
+          <a:lstStyle/>
+          <a:p>
+            <a:pPr algn="l" fontAlgn="base"/>
+            <a:r>
+              <a:rPr lang="en-US" b="1" i="0" dirty="0">
+                <a:solidFill>
+                  <a:srgbClr val="000000"/>
+                </a:solidFill>
+                <a:effectLst/>
+                <a:latin typeface="arial" panose="020B0604020202020204" pitchFamily="34" charset="0"/>
+              </a:rPr>
+              <a:t>What is the ambiguity problem in C#?</a:t>
+            </a:r>
+            <a:endParaRPr lang="en-US" b="0" i="0" dirty="0">
+              <a:solidFill>
+                <a:srgbClr val="3A3A3A"/>
+              </a:solidFill>
+              <a:effectLst/>
+              <a:latin typeface="-apple-system"/>
+            </a:endParaRPr>
+          </a:p>
+        </p:txBody>
+      </p:sp>
+      <p:pic>
+        <p:nvPicPr>
+          <p:cNvPr id="5" name="Picture 4">
+            <a:extLst>
+              <a:ext uri="{FF2B5EF4-FFF2-40B4-BE49-F238E27FC236}">
+                <a16:creationId xmlns:a16="http://schemas.microsoft.com/office/drawing/2014/main" id="{22597104-6534-4EC0-AD20-B0CDF360CAB2}"/>
+              </a:ext>
+            </a:extLst>
+          </p:cNvPr>
+          <p:cNvPicPr>
+            <a:picLocks noChangeAspect="1"/>
+          </p:cNvPicPr>
+          <p:nvPr/>
+        </p:nvPicPr>
+        <p:blipFill>
+          <a:blip r:embed="rId2"/>
+          <a:stretch>
+            <a:fillRect/>
+          </a:stretch>
+        </p:blipFill>
+        <p:spPr>
+          <a:xfrm>
+            <a:off x="109115" y="387436"/>
+            <a:ext cx="7969660" cy="615982"/>
+          </a:xfrm>
+          <a:prstGeom prst="rect">
+            <a:avLst/>
+          </a:prstGeom>
+        </p:spPr>
+      </p:pic>
+      <p:sp>
+        <p:nvSpPr>
+          <p:cNvPr id="7" name="TextBox 6">
+            <a:extLst>
+              <a:ext uri="{FF2B5EF4-FFF2-40B4-BE49-F238E27FC236}">
+                <a16:creationId xmlns:a16="http://schemas.microsoft.com/office/drawing/2014/main" id="{DC95BB33-967F-4A44-98D7-100E9D9527FA}"/>
+              </a:ext>
+            </a:extLst>
+          </p:cNvPr>
+          <p:cNvSpPr txBox="1"/>
+          <p:nvPr/>
+        </p:nvSpPr>
+        <p:spPr>
+          <a:xfrm>
+            <a:off x="-19252" y="1021522"/>
+            <a:ext cx="12192000" cy="1200329"/>
+          </a:xfrm>
+          <a:prstGeom prst="rect">
+            <a:avLst/>
+          </a:prstGeom>
+          <a:noFill/>
+        </p:spPr>
+        <p:txBody>
+          <a:bodyPr wrap="square">
+            <a:spAutoFit/>
+          </a:bodyPr>
+          <a:lstStyle/>
+          <a:p>
+            <a:r>
+              <a:rPr lang="en-US" b="0" i="0" dirty="0">
+                <a:solidFill>
+                  <a:srgbClr val="000000"/>
+                </a:solidFill>
+                <a:effectLst/>
+                <a:latin typeface="arial" panose="020B0604020202020204" pitchFamily="34" charset="0"/>
+              </a:rPr>
+              <a:t>In the above case, class 3 is inheriting from class 1 and class 2 and both these two classes contain a method with the same name and same signature so while consuming the method ambiguity arises to understand which class method has to be executed. But, if a class is inheriting from interfaces we don’t have any ambiguity problem because the class is not consuming the members of its parent interfaces but only implementing the parent’s members.</a:t>
+            </a:r>
+            <a:endParaRPr lang="en-US" dirty="0"/>
+          </a:p>
+        </p:txBody>
+      </p:sp>
+      <p:pic>
+        <p:nvPicPr>
+          <p:cNvPr id="9" name="Picture 8">
+            <a:extLst>
+              <a:ext uri="{FF2B5EF4-FFF2-40B4-BE49-F238E27FC236}">
+                <a16:creationId xmlns:a16="http://schemas.microsoft.com/office/drawing/2014/main" id="{F43C81E8-1147-49CE-BE5D-4E79546006BD}"/>
+              </a:ext>
+            </a:extLst>
+          </p:cNvPr>
+          <p:cNvPicPr>
+            <a:picLocks noChangeAspect="1"/>
+          </p:cNvPicPr>
+          <p:nvPr/>
+        </p:nvPicPr>
+        <p:blipFill>
+          <a:blip r:embed="rId3"/>
+          <a:stretch>
+            <a:fillRect/>
+          </a:stretch>
+        </p:blipFill>
+        <p:spPr>
+          <a:xfrm>
+            <a:off x="109115" y="2296161"/>
+            <a:ext cx="7969660" cy="577880"/>
+          </a:xfrm>
+          <a:prstGeom prst="rect">
+            <a:avLst/>
+          </a:prstGeom>
+        </p:spPr>
+      </p:pic>
+      <p:sp>
+        <p:nvSpPr>
+          <p:cNvPr id="11" name="TextBox 10">
+            <a:extLst>
+              <a:ext uri="{FF2B5EF4-FFF2-40B4-BE49-F238E27FC236}">
+                <a16:creationId xmlns:a16="http://schemas.microsoft.com/office/drawing/2014/main" id="{AB8C7C4D-7A95-4ED0-8272-2BA405D6B6BD}"/>
+              </a:ext>
+            </a:extLst>
+          </p:cNvPr>
+          <p:cNvSpPr txBox="1"/>
+          <p:nvPr/>
+        </p:nvSpPr>
+        <p:spPr>
+          <a:xfrm>
+            <a:off x="109114" y="3085767"/>
+            <a:ext cx="12063633" cy="1477328"/>
+          </a:xfrm>
+          <a:prstGeom prst="rect">
+            <a:avLst/>
+          </a:prstGeom>
+          <a:noFill/>
+        </p:spPr>
+        <p:txBody>
+          <a:bodyPr wrap="square">
+            <a:spAutoFit/>
+          </a:bodyPr>
+          <a:lstStyle/>
+          <a:p>
+            <a:pPr algn="just" fontAlgn="base"/>
+            <a:r>
+              <a:rPr lang="en-US" b="0" i="0" dirty="0">
+                <a:solidFill>
+                  <a:srgbClr val="000000"/>
+                </a:solidFill>
+                <a:effectLst/>
+                <a:latin typeface="arial" panose="020B0604020202020204" pitchFamily="34" charset="0"/>
+              </a:rPr>
+              <a:t>In the above case, the class is not consuming the interface members. It is only implementing the interface members so if we face any ambiguity with interface members that can be resolved in child class in two different ways.</a:t>
+            </a:r>
+          </a:p>
+          <a:p>
+            <a:pPr algn="just" fontAlgn="base"/>
+            <a:endParaRPr lang="en-US" b="0" i="0" dirty="0">
+              <a:solidFill>
+                <a:srgbClr val="212529"/>
+              </a:solidFill>
+              <a:effectLst/>
+              <a:latin typeface="-apple-system"/>
+            </a:endParaRPr>
+          </a:p>
+          <a:p>
+            <a:pPr algn="just" fontAlgn="base"/>
+            <a:r>
+              <a:rPr lang="en-US" b="0" i="0" dirty="0">
+                <a:solidFill>
+                  <a:srgbClr val="000000"/>
+                </a:solidFill>
+                <a:effectLst/>
+                <a:latin typeface="arial" panose="020B0604020202020204" pitchFamily="34" charset="0"/>
+              </a:rPr>
+              <a:t>If the method is implemented for a single time under the class both the interface will assume that the implemented method belongs to them and executes and there will not be any ambiguity.</a:t>
+            </a:r>
+            <a:endParaRPr lang="en-US" b="0" i="0" dirty="0">
+              <a:solidFill>
+                <a:srgbClr val="212529"/>
+              </a:solidFill>
+              <a:effectLst/>
+              <a:latin typeface="-apple-system"/>
+            </a:endParaRPr>
+          </a:p>
+        </p:txBody>
+      </p:sp>
+      <p:sp>
+        <p:nvSpPr>
+          <p:cNvPr id="13" name="TextBox 12">
+            <a:extLst>
+              <a:ext uri="{FF2B5EF4-FFF2-40B4-BE49-F238E27FC236}">
+                <a16:creationId xmlns:a16="http://schemas.microsoft.com/office/drawing/2014/main" id="{A6600F6D-BFB5-451A-A45A-E8384E210169}"/>
+              </a:ext>
+            </a:extLst>
+          </p:cNvPr>
+          <p:cNvSpPr txBox="1"/>
+          <p:nvPr/>
+        </p:nvSpPr>
+        <p:spPr>
+          <a:xfrm>
+            <a:off x="109114" y="4534220"/>
+            <a:ext cx="6145730" cy="369332"/>
+          </a:xfrm>
+          <a:prstGeom prst="rect">
+            <a:avLst/>
+          </a:prstGeom>
+          <a:noFill/>
+        </p:spPr>
+        <p:txBody>
+          <a:bodyPr wrap="square">
+            <a:spAutoFit/>
+          </a:bodyPr>
+          <a:lstStyle/>
+          <a:p>
+            <a:pPr algn="just" fontAlgn="base"/>
+            <a:r>
+              <a:rPr lang="en-US" b="1" i="0" dirty="0">
+                <a:solidFill>
+                  <a:srgbClr val="000000"/>
+                </a:solidFill>
+                <a:effectLst/>
+                <a:latin typeface="arial" panose="020B0604020202020204" pitchFamily="34" charset="0"/>
+              </a:rPr>
+              <a:t>What is Explicit Interface Implementation in C#?</a:t>
+            </a:r>
+            <a:endParaRPr lang="en-US" b="0" i="0" dirty="0">
+              <a:solidFill>
+                <a:srgbClr val="3A3A3A"/>
+              </a:solidFill>
+              <a:effectLst/>
+              <a:latin typeface="-apple-system"/>
+            </a:endParaRPr>
+          </a:p>
+        </p:txBody>
+      </p:sp>
+      <p:sp>
+        <p:nvSpPr>
+          <p:cNvPr id="15" name="TextBox 14">
+            <a:extLst>
+              <a:ext uri="{FF2B5EF4-FFF2-40B4-BE49-F238E27FC236}">
+                <a16:creationId xmlns:a16="http://schemas.microsoft.com/office/drawing/2014/main" id="{2E7975F2-2752-4FB9-B627-E12657E6C217}"/>
+              </a:ext>
+            </a:extLst>
+          </p:cNvPr>
+          <p:cNvSpPr txBox="1"/>
+          <p:nvPr/>
+        </p:nvSpPr>
+        <p:spPr>
+          <a:xfrm>
+            <a:off x="83446" y="4993236"/>
+            <a:ext cx="12108554" cy="1477328"/>
+          </a:xfrm>
+          <a:prstGeom prst="rect">
+            <a:avLst/>
+          </a:prstGeom>
+          <a:noFill/>
+        </p:spPr>
+        <p:txBody>
+          <a:bodyPr wrap="square">
+            <a:spAutoFit/>
+          </a:bodyPr>
+          <a:lstStyle/>
+          <a:p>
+            <a:r>
+              <a:rPr lang="en-US" b="0" i="0">
+                <a:solidFill>
+                  <a:srgbClr val="000000"/>
+                </a:solidFill>
+                <a:effectLst/>
+                <a:latin typeface="arial" panose="020B0604020202020204" pitchFamily="34" charset="0"/>
+              </a:rPr>
+              <a:t>When each interface method is implemented separately under the child class by providing the method name along with the interface name then it is called Explicit Interface Implementation. </a:t>
+            </a:r>
+            <a:r>
+              <a:rPr lang="en-US" b="0" i="0" dirty="0">
+                <a:solidFill>
+                  <a:srgbClr val="000000"/>
+                </a:solidFill>
+                <a:effectLst/>
+                <a:latin typeface="arial" panose="020B0604020202020204" pitchFamily="34" charset="0"/>
+              </a:rPr>
+              <a:t>But in this case, while calling the method we should compulsorily use the interface reference that is created using the object of a class. Let see an example to understand explicit interface implementation in C#. While implementing the Interface methods explicitly, it is not allowed us to use the public access specifiers.</a:t>
+            </a:r>
+            <a:endParaRPr lang="en-US" dirty="0"/>
+          </a:p>
+        </p:txBody>
+      </p:sp>
+    </p:spTree>
+    <p:extLst>
+      <p:ext uri="{BB962C8B-B14F-4D97-AF65-F5344CB8AC3E}">
+        <p14:creationId xmlns:p14="http://schemas.microsoft.com/office/powerpoint/2010/main" val="1898379283"/>
       </p:ext>
     </p:extLst>
   </p:cSld>
